--- a/ExamplePpt.pptx
+++ b/ExamplePpt.pptx
@@ -111,6 +111,11 @@
       </a:defRPr>
     </a:lvl9pPr>
   </p:defaultTextStyle>
+  <p:extLst>
+    <p:ext uri="{EFAFB233-063F-42B5-8137-9DF3F51BA10A}">
+      <p15:sldGuideLst xmlns:p15="http://schemas.microsoft.com/office/powerpoint/2012/main"/>
+    </p:ext>
+  </p:extLst>
 </p:presentation>
 </file>
 
@@ -245,7 +250,7 @@
           <a:p>
             <a:fld id="{35247FA9-5C39-4C97-B800-41D9DD23C891}" type="datetimeFigureOut">
               <a:rPr lang="en-US" smtClean="0"/>
-              <a:t>7/17/2019</a:t>
+              <a:t>7/19/2019</a:t>
             </a:fld>
             <a:endParaRPr lang="en-US"/>
           </a:p>
@@ -415,7 +420,7 @@
           <a:p>
             <a:fld id="{35247FA9-5C39-4C97-B800-41D9DD23C891}" type="datetimeFigureOut">
               <a:rPr lang="en-US" smtClean="0"/>
-              <a:t>7/17/2019</a:t>
+              <a:t>7/19/2019</a:t>
             </a:fld>
             <a:endParaRPr lang="en-US"/>
           </a:p>
@@ -595,7 +600,7 @@
           <a:p>
             <a:fld id="{35247FA9-5C39-4C97-B800-41D9DD23C891}" type="datetimeFigureOut">
               <a:rPr lang="en-US" smtClean="0"/>
-              <a:t>7/17/2019</a:t>
+              <a:t>7/19/2019</a:t>
             </a:fld>
             <a:endParaRPr lang="en-US"/>
           </a:p>
@@ -765,7 +770,7 @@
           <a:p>
             <a:fld id="{35247FA9-5C39-4C97-B800-41D9DD23C891}" type="datetimeFigureOut">
               <a:rPr lang="en-US" smtClean="0"/>
-              <a:t>7/17/2019</a:t>
+              <a:t>7/19/2019</a:t>
             </a:fld>
             <a:endParaRPr lang="en-US"/>
           </a:p>
@@ -1011,7 +1016,7 @@
           <a:p>
             <a:fld id="{35247FA9-5C39-4C97-B800-41D9DD23C891}" type="datetimeFigureOut">
               <a:rPr lang="en-US" smtClean="0"/>
-              <a:t>7/17/2019</a:t>
+              <a:t>7/19/2019</a:t>
             </a:fld>
             <a:endParaRPr lang="en-US"/>
           </a:p>
@@ -1243,7 +1248,7 @@
           <a:p>
             <a:fld id="{35247FA9-5C39-4C97-B800-41D9DD23C891}" type="datetimeFigureOut">
               <a:rPr lang="en-US" smtClean="0"/>
-              <a:t>7/17/2019</a:t>
+              <a:t>7/19/2019</a:t>
             </a:fld>
             <a:endParaRPr lang="en-US"/>
           </a:p>
@@ -1610,7 +1615,7 @@
           <a:p>
             <a:fld id="{35247FA9-5C39-4C97-B800-41D9DD23C891}" type="datetimeFigureOut">
               <a:rPr lang="en-US" smtClean="0"/>
-              <a:t>7/17/2019</a:t>
+              <a:t>7/19/2019</a:t>
             </a:fld>
             <a:endParaRPr lang="en-US"/>
           </a:p>
@@ -1728,7 +1733,7 @@
           <a:p>
             <a:fld id="{35247FA9-5C39-4C97-B800-41D9DD23C891}" type="datetimeFigureOut">
               <a:rPr lang="en-US" smtClean="0"/>
-              <a:t>7/17/2019</a:t>
+              <a:t>7/19/2019</a:t>
             </a:fld>
             <a:endParaRPr lang="en-US"/>
           </a:p>
@@ -1823,7 +1828,7 @@
           <a:p>
             <a:fld id="{35247FA9-5C39-4C97-B800-41D9DD23C891}" type="datetimeFigureOut">
               <a:rPr lang="en-US" smtClean="0"/>
-              <a:t>7/17/2019</a:t>
+              <a:t>7/19/2019</a:t>
             </a:fld>
             <a:endParaRPr lang="en-US"/>
           </a:p>
@@ -2100,7 +2105,7 @@
           <a:p>
             <a:fld id="{35247FA9-5C39-4C97-B800-41D9DD23C891}" type="datetimeFigureOut">
               <a:rPr lang="en-US" smtClean="0"/>
-              <a:t>7/17/2019</a:t>
+              <a:t>7/19/2019</a:t>
             </a:fld>
             <a:endParaRPr lang="en-US"/>
           </a:p>
@@ -2353,7 +2358,7 @@
           <a:p>
             <a:fld id="{35247FA9-5C39-4C97-B800-41D9DD23C891}" type="datetimeFigureOut">
               <a:rPr lang="en-US" smtClean="0"/>
-              <a:t>7/17/2019</a:t>
+              <a:t>7/19/2019</a:t>
             </a:fld>
             <a:endParaRPr lang="en-US"/>
           </a:p>
@@ -2566,7 +2571,7 @@
           <a:p>
             <a:fld id="{35247FA9-5C39-4C97-B800-41D9DD23C891}" type="datetimeFigureOut">
               <a:rPr lang="en-US" smtClean="0"/>
-              <a:t>7/17/2019</a:t>
+              <a:t>7/19/2019</a:t>
             </a:fld>
             <a:endParaRPr lang="en-US"/>
           </a:p>
@@ -3308,8 +3313,8 @@
         </p:nvSpPr>
         <p:spPr>
           <a:xfrm>
-            <a:off x="2674775" y="3946846"/>
-            <a:ext cx="9582539" cy="923330"/>
+            <a:off x="3085279" y="3864468"/>
+            <a:ext cx="5935153" cy="923330"/>
           </a:xfrm>
           <a:prstGeom prst="rect">
             <a:avLst/>
@@ -3328,7 +3333,23 @@
                   <a:schemeClr val="bg1"/>
                 </a:solidFill>
               </a:rPr>
-              <a:t>Y                                       N</a:t>
+              <a:t>Y                          </a:t>
+            </a:r>
+            <a:r>
+              <a:rPr lang="en-US" sz="5400" dirty="0" smtClean="0">
+                <a:solidFill>
+                  <a:schemeClr val="bg1"/>
+                </a:solidFill>
+              </a:rPr>
+              <a:t>     </a:t>
+            </a:r>
+            <a:r>
+              <a:rPr lang="en-US" sz="5400" dirty="0" smtClean="0">
+                <a:solidFill>
+                  <a:schemeClr val="bg1"/>
+                </a:solidFill>
+              </a:rPr>
+              <a:t>N</a:t>
             </a:r>
             <a:endParaRPr lang="en-US" sz="5400" dirty="0">
               <a:solidFill>

--- a/ExamplePpt.pptx
+++ b/ExamplePpt.pptx
@@ -250,7 +250,7 @@
           <a:p>
             <a:fld id="{35247FA9-5C39-4C97-B800-41D9DD23C891}" type="datetimeFigureOut">
               <a:rPr lang="en-US" smtClean="0"/>
-              <a:t>7/19/2019</a:t>
+              <a:t>7/22/2019</a:t>
             </a:fld>
             <a:endParaRPr lang="en-US"/>
           </a:p>
@@ -420,7 +420,7 @@
           <a:p>
             <a:fld id="{35247FA9-5C39-4C97-B800-41D9DD23C891}" type="datetimeFigureOut">
               <a:rPr lang="en-US" smtClean="0"/>
-              <a:t>7/19/2019</a:t>
+              <a:t>7/22/2019</a:t>
             </a:fld>
             <a:endParaRPr lang="en-US"/>
           </a:p>
@@ -600,7 +600,7 @@
           <a:p>
             <a:fld id="{35247FA9-5C39-4C97-B800-41D9DD23C891}" type="datetimeFigureOut">
               <a:rPr lang="en-US" smtClean="0"/>
-              <a:t>7/19/2019</a:t>
+              <a:t>7/22/2019</a:t>
             </a:fld>
             <a:endParaRPr lang="en-US"/>
           </a:p>
@@ -770,7 +770,7 @@
           <a:p>
             <a:fld id="{35247FA9-5C39-4C97-B800-41D9DD23C891}" type="datetimeFigureOut">
               <a:rPr lang="en-US" smtClean="0"/>
-              <a:t>7/19/2019</a:t>
+              <a:t>7/22/2019</a:t>
             </a:fld>
             <a:endParaRPr lang="en-US"/>
           </a:p>
@@ -1016,7 +1016,7 @@
           <a:p>
             <a:fld id="{35247FA9-5C39-4C97-B800-41D9DD23C891}" type="datetimeFigureOut">
               <a:rPr lang="en-US" smtClean="0"/>
-              <a:t>7/19/2019</a:t>
+              <a:t>7/22/2019</a:t>
             </a:fld>
             <a:endParaRPr lang="en-US"/>
           </a:p>
@@ -1248,7 +1248,7 @@
           <a:p>
             <a:fld id="{35247FA9-5C39-4C97-B800-41D9DD23C891}" type="datetimeFigureOut">
               <a:rPr lang="en-US" smtClean="0"/>
-              <a:t>7/19/2019</a:t>
+              <a:t>7/22/2019</a:t>
             </a:fld>
             <a:endParaRPr lang="en-US"/>
           </a:p>
@@ -1615,7 +1615,7 @@
           <a:p>
             <a:fld id="{35247FA9-5C39-4C97-B800-41D9DD23C891}" type="datetimeFigureOut">
               <a:rPr lang="en-US" smtClean="0"/>
-              <a:t>7/19/2019</a:t>
+              <a:t>7/22/2019</a:t>
             </a:fld>
             <a:endParaRPr lang="en-US"/>
           </a:p>
@@ -1733,7 +1733,7 @@
           <a:p>
             <a:fld id="{35247FA9-5C39-4C97-B800-41D9DD23C891}" type="datetimeFigureOut">
               <a:rPr lang="en-US" smtClean="0"/>
-              <a:t>7/19/2019</a:t>
+              <a:t>7/22/2019</a:t>
             </a:fld>
             <a:endParaRPr lang="en-US"/>
           </a:p>
@@ -1828,7 +1828,7 @@
           <a:p>
             <a:fld id="{35247FA9-5C39-4C97-B800-41D9DD23C891}" type="datetimeFigureOut">
               <a:rPr lang="en-US" smtClean="0"/>
-              <a:t>7/19/2019</a:t>
+              <a:t>7/22/2019</a:t>
             </a:fld>
             <a:endParaRPr lang="en-US"/>
           </a:p>
@@ -2105,7 +2105,7 @@
           <a:p>
             <a:fld id="{35247FA9-5C39-4C97-B800-41D9DD23C891}" type="datetimeFigureOut">
               <a:rPr lang="en-US" smtClean="0"/>
-              <a:t>7/19/2019</a:t>
+              <a:t>7/22/2019</a:t>
             </a:fld>
             <a:endParaRPr lang="en-US"/>
           </a:p>
@@ -2358,7 +2358,7 @@
           <a:p>
             <a:fld id="{35247FA9-5C39-4C97-B800-41D9DD23C891}" type="datetimeFigureOut">
               <a:rPr lang="en-US" smtClean="0"/>
-              <a:t>7/19/2019</a:t>
+              <a:t>7/22/2019</a:t>
             </a:fld>
             <a:endParaRPr lang="en-US"/>
           </a:p>
@@ -2571,7 +2571,7 @@
           <a:p>
             <a:fld id="{35247FA9-5C39-4C97-B800-41D9DD23C891}" type="datetimeFigureOut">
               <a:rPr lang="en-US" smtClean="0"/>
-              <a:t>7/19/2019</a:t>
+              <a:t>7/22/2019</a:t>
             </a:fld>
             <a:endParaRPr lang="en-US"/>
           </a:p>
@@ -3333,23 +3333,7 @@
                   <a:schemeClr val="bg1"/>
                 </a:solidFill>
               </a:rPr>
-              <a:t>Y                          </a:t>
-            </a:r>
-            <a:r>
-              <a:rPr lang="en-US" sz="5400" dirty="0" smtClean="0">
-                <a:solidFill>
-                  <a:schemeClr val="bg1"/>
-                </a:solidFill>
-              </a:rPr>
-              <a:t>     </a:t>
-            </a:r>
-            <a:r>
-              <a:rPr lang="en-US" sz="5400" dirty="0" smtClean="0">
-                <a:solidFill>
-                  <a:schemeClr val="bg1"/>
-                </a:solidFill>
-              </a:rPr>
-              <a:t>N</a:t>
+              <a:t>Y                               N</a:t>
             </a:r>
             <a:endParaRPr lang="en-US" sz="5400" dirty="0">
               <a:solidFill>

--- a/ExamplePpt.pptx
+++ b/ExamplePpt.pptx
@@ -119,6 +119,35 @@
 </p:presentation>
 </file>
 
+<file path=ppt/changesInfos/changesInfo1.xml><?xml version="1.0" encoding="utf-8"?>
+<pc:chgInfo xmlns:a="http://schemas.openxmlformats.org/drawingml/2006/main" xmlns:r="http://schemas.openxmlformats.org/officeDocument/2006/relationships" xmlns:ac="http://schemas.microsoft.com/office/drawing/2013/main/command" xmlns:pc="http://schemas.microsoft.com/office/powerpoint/2013/main/command">
+  <pc:docChgLst>
+    <pc:chgData name="Simran Jaspal" userId="d74b38d48d7aafd1" providerId="LiveId" clId="{0CA6DD81-B85D-4065-93CA-4DA0F302CB4A}"/>
+    <pc:docChg chg="modSld">
+      <pc:chgData name="Simran Jaspal" userId="d74b38d48d7aafd1" providerId="LiveId" clId="{0CA6DD81-B85D-4065-93CA-4DA0F302CB4A}" dt="2019-12-03T15:12:05.991" v="15" actId="20577"/>
+      <pc:docMkLst>
+        <pc:docMk/>
+      </pc:docMkLst>
+      <pc:sldChg chg="modSp">
+        <pc:chgData name="Simran Jaspal" userId="d74b38d48d7aafd1" providerId="LiveId" clId="{0CA6DD81-B85D-4065-93CA-4DA0F302CB4A}" dt="2019-12-03T15:12:05.991" v="15" actId="20577"/>
+        <pc:sldMkLst>
+          <pc:docMk/>
+          <pc:sldMk cId="311361836" sldId="258"/>
+        </pc:sldMkLst>
+        <pc:spChg chg="mod">
+          <ac:chgData name="Simran Jaspal" userId="d74b38d48d7aafd1" providerId="LiveId" clId="{0CA6DD81-B85D-4065-93CA-4DA0F302CB4A}" dt="2019-12-03T15:12:05.991" v="15" actId="20577"/>
+          <ac:spMkLst>
+            <pc:docMk/>
+            <pc:sldMk cId="311361836" sldId="258"/>
+            <ac:spMk id="5" creationId="{00000000-0000-0000-0000-000000000000}"/>
+          </ac:spMkLst>
+        </pc:spChg>
+      </pc:sldChg>
+    </pc:docChg>
+  </pc:docChgLst>
+</pc:chgInfo>
+</file>
+
 <file path=ppt/slideLayouts/slideLayout1.xml><?xml version="1.0" encoding="utf-8"?>
 <p:sldLayout xmlns:a="http://schemas.openxmlformats.org/drawingml/2006/main" xmlns:r="http://schemas.openxmlformats.org/officeDocument/2006/relationships" xmlns:p="http://schemas.openxmlformats.org/presentationml/2006/main" type="title" preserve="1">
   <p:cSld name="Title Slide">
@@ -161,10 +190,9 @@
           </a:lstStyle>
           <a:p>
             <a:r>
-              <a:rPr lang="en-US" smtClean="0"/>
+              <a:rPr lang="en-US"/>
               <a:t>Click to edit Master title style</a:t>
             </a:r>
-            <a:endParaRPr lang="en-US"/>
           </a:p>
         </p:txBody>
       </p:sp>
@@ -226,10 +254,9 @@
           </a:lstStyle>
           <a:p>
             <a:r>
-              <a:rPr lang="en-US" smtClean="0"/>
+              <a:rPr lang="en-US"/>
               <a:t>Click to edit Master subtitle style</a:t>
             </a:r>
-            <a:endParaRPr lang="en-US"/>
           </a:p>
         </p:txBody>
       </p:sp>
@@ -250,7 +277,7 @@
           <a:p>
             <a:fld id="{35247FA9-5C39-4C97-B800-41D9DD23C891}" type="datetimeFigureOut">
               <a:rPr lang="en-US" smtClean="0"/>
-              <a:t>7/22/2019</a:t>
+              <a:t>12/3/2019</a:t>
             </a:fld>
             <a:endParaRPr lang="en-US"/>
           </a:p>
@@ -344,10 +371,9 @@
           <a:lstStyle/>
           <a:p>
             <a:r>
-              <a:rPr lang="en-US" smtClean="0"/>
+              <a:rPr lang="en-US"/>
               <a:t>Click to edit Master title style</a:t>
             </a:r>
-            <a:endParaRPr lang="en-US"/>
           </a:p>
         </p:txBody>
       </p:sp>
@@ -368,38 +394,37 @@
           <a:p>
             <a:pPr lvl="0"/>
             <a:r>
-              <a:rPr lang="en-US" smtClean="0"/>
+              <a:rPr lang="en-US"/>
               <a:t>Click to edit Master text styles</a:t>
             </a:r>
           </a:p>
           <a:p>
             <a:pPr lvl="1"/>
             <a:r>
-              <a:rPr lang="en-US" smtClean="0"/>
+              <a:rPr lang="en-US"/>
               <a:t>Second level</a:t>
             </a:r>
           </a:p>
           <a:p>
             <a:pPr lvl="2"/>
             <a:r>
-              <a:rPr lang="en-US" smtClean="0"/>
+              <a:rPr lang="en-US"/>
               <a:t>Third level</a:t>
             </a:r>
           </a:p>
           <a:p>
             <a:pPr lvl="3"/>
             <a:r>
-              <a:rPr lang="en-US" smtClean="0"/>
+              <a:rPr lang="en-US"/>
               <a:t>Fourth level</a:t>
             </a:r>
           </a:p>
           <a:p>
             <a:pPr lvl="4"/>
             <a:r>
-              <a:rPr lang="en-US" smtClean="0"/>
+              <a:rPr lang="en-US"/>
               <a:t>Fifth level</a:t>
             </a:r>
-            <a:endParaRPr lang="en-US"/>
           </a:p>
         </p:txBody>
       </p:sp>
@@ -420,7 +445,7 @@
           <a:p>
             <a:fld id="{35247FA9-5C39-4C97-B800-41D9DD23C891}" type="datetimeFigureOut">
               <a:rPr lang="en-US" smtClean="0"/>
-              <a:t>7/22/2019</a:t>
+              <a:t>12/3/2019</a:t>
             </a:fld>
             <a:endParaRPr lang="en-US"/>
           </a:p>
@@ -519,10 +544,9 @@
           <a:lstStyle/>
           <a:p>
             <a:r>
-              <a:rPr lang="en-US" smtClean="0"/>
+              <a:rPr lang="en-US"/>
               <a:t>Click to edit Master title style</a:t>
             </a:r>
-            <a:endParaRPr lang="en-US"/>
           </a:p>
         </p:txBody>
       </p:sp>
@@ -548,38 +572,37 @@
           <a:p>
             <a:pPr lvl="0"/>
             <a:r>
-              <a:rPr lang="en-US" smtClean="0"/>
+              <a:rPr lang="en-US"/>
               <a:t>Click to edit Master text styles</a:t>
             </a:r>
           </a:p>
           <a:p>
             <a:pPr lvl="1"/>
             <a:r>
-              <a:rPr lang="en-US" smtClean="0"/>
+              <a:rPr lang="en-US"/>
               <a:t>Second level</a:t>
             </a:r>
           </a:p>
           <a:p>
             <a:pPr lvl="2"/>
             <a:r>
-              <a:rPr lang="en-US" smtClean="0"/>
+              <a:rPr lang="en-US"/>
               <a:t>Third level</a:t>
             </a:r>
           </a:p>
           <a:p>
             <a:pPr lvl="3"/>
             <a:r>
-              <a:rPr lang="en-US" smtClean="0"/>
+              <a:rPr lang="en-US"/>
               <a:t>Fourth level</a:t>
             </a:r>
           </a:p>
           <a:p>
             <a:pPr lvl="4"/>
             <a:r>
-              <a:rPr lang="en-US" smtClean="0"/>
+              <a:rPr lang="en-US"/>
               <a:t>Fifth level</a:t>
             </a:r>
-            <a:endParaRPr lang="en-US"/>
           </a:p>
         </p:txBody>
       </p:sp>
@@ -600,7 +623,7 @@
           <a:p>
             <a:fld id="{35247FA9-5C39-4C97-B800-41D9DD23C891}" type="datetimeFigureOut">
               <a:rPr lang="en-US" smtClean="0"/>
-              <a:t>7/22/2019</a:t>
+              <a:t>12/3/2019</a:t>
             </a:fld>
             <a:endParaRPr lang="en-US"/>
           </a:p>
@@ -694,10 +717,9 @@
           <a:lstStyle/>
           <a:p>
             <a:r>
-              <a:rPr lang="en-US" smtClean="0"/>
+              <a:rPr lang="en-US"/>
               <a:t>Click to edit Master title style</a:t>
             </a:r>
-            <a:endParaRPr lang="en-US"/>
           </a:p>
         </p:txBody>
       </p:sp>
@@ -718,38 +740,37 @@
           <a:p>
             <a:pPr lvl="0"/>
             <a:r>
-              <a:rPr lang="en-US" smtClean="0"/>
+              <a:rPr lang="en-US"/>
               <a:t>Click to edit Master text styles</a:t>
             </a:r>
           </a:p>
           <a:p>
             <a:pPr lvl="1"/>
             <a:r>
-              <a:rPr lang="en-US" smtClean="0"/>
+              <a:rPr lang="en-US"/>
               <a:t>Second level</a:t>
             </a:r>
           </a:p>
           <a:p>
             <a:pPr lvl="2"/>
             <a:r>
-              <a:rPr lang="en-US" smtClean="0"/>
+              <a:rPr lang="en-US"/>
               <a:t>Third level</a:t>
             </a:r>
           </a:p>
           <a:p>
             <a:pPr lvl="3"/>
             <a:r>
-              <a:rPr lang="en-US" smtClean="0"/>
+              <a:rPr lang="en-US"/>
               <a:t>Fourth level</a:t>
             </a:r>
           </a:p>
           <a:p>
             <a:pPr lvl="4"/>
             <a:r>
-              <a:rPr lang="en-US" smtClean="0"/>
+              <a:rPr lang="en-US"/>
               <a:t>Fifth level</a:t>
             </a:r>
-            <a:endParaRPr lang="en-US"/>
           </a:p>
         </p:txBody>
       </p:sp>
@@ -770,7 +791,7 @@
           <a:p>
             <a:fld id="{35247FA9-5C39-4C97-B800-41D9DD23C891}" type="datetimeFigureOut">
               <a:rPr lang="en-US" smtClean="0"/>
-              <a:t>7/22/2019</a:t>
+              <a:t>12/3/2019</a:t>
             </a:fld>
             <a:endParaRPr lang="en-US"/>
           </a:p>
@@ -873,10 +894,9 @@
           </a:lstStyle>
           <a:p>
             <a:r>
-              <a:rPr lang="en-US" smtClean="0"/>
+              <a:rPr lang="en-US"/>
               <a:t>Click to edit Master title style</a:t>
             </a:r>
-            <a:endParaRPr lang="en-US"/>
           </a:p>
         </p:txBody>
       </p:sp>
@@ -993,7 +1013,7 @@
           <a:p>
             <a:pPr lvl="0"/>
             <a:r>
-              <a:rPr lang="en-US" smtClean="0"/>
+              <a:rPr lang="en-US"/>
               <a:t>Click to edit Master text styles</a:t>
             </a:r>
           </a:p>
@@ -1016,7 +1036,7 @@
           <a:p>
             <a:fld id="{35247FA9-5C39-4C97-B800-41D9DD23C891}" type="datetimeFigureOut">
               <a:rPr lang="en-US" smtClean="0"/>
-              <a:t>7/22/2019</a:t>
+              <a:t>12/3/2019</a:t>
             </a:fld>
             <a:endParaRPr lang="en-US"/>
           </a:p>
@@ -1110,10 +1130,9 @@
           <a:lstStyle/>
           <a:p>
             <a:r>
-              <a:rPr lang="en-US" smtClean="0"/>
+              <a:rPr lang="en-US"/>
               <a:t>Click to edit Master title style</a:t>
             </a:r>
-            <a:endParaRPr lang="en-US"/>
           </a:p>
         </p:txBody>
       </p:sp>
@@ -1139,38 +1158,37 @@
           <a:p>
             <a:pPr lvl="0"/>
             <a:r>
-              <a:rPr lang="en-US" smtClean="0"/>
+              <a:rPr lang="en-US"/>
               <a:t>Click to edit Master text styles</a:t>
             </a:r>
           </a:p>
           <a:p>
             <a:pPr lvl="1"/>
             <a:r>
-              <a:rPr lang="en-US" smtClean="0"/>
+              <a:rPr lang="en-US"/>
               <a:t>Second level</a:t>
             </a:r>
           </a:p>
           <a:p>
             <a:pPr lvl="2"/>
             <a:r>
-              <a:rPr lang="en-US" smtClean="0"/>
+              <a:rPr lang="en-US"/>
               <a:t>Third level</a:t>
             </a:r>
           </a:p>
           <a:p>
             <a:pPr lvl="3"/>
             <a:r>
-              <a:rPr lang="en-US" smtClean="0"/>
+              <a:rPr lang="en-US"/>
               <a:t>Fourth level</a:t>
             </a:r>
           </a:p>
           <a:p>
             <a:pPr lvl="4"/>
             <a:r>
-              <a:rPr lang="en-US" smtClean="0"/>
+              <a:rPr lang="en-US"/>
               <a:t>Fifth level</a:t>
             </a:r>
-            <a:endParaRPr lang="en-US"/>
           </a:p>
         </p:txBody>
       </p:sp>
@@ -1196,38 +1214,37 @@
           <a:p>
             <a:pPr lvl="0"/>
             <a:r>
-              <a:rPr lang="en-US" smtClean="0"/>
+              <a:rPr lang="en-US"/>
               <a:t>Click to edit Master text styles</a:t>
             </a:r>
           </a:p>
           <a:p>
             <a:pPr lvl="1"/>
             <a:r>
-              <a:rPr lang="en-US" smtClean="0"/>
+              <a:rPr lang="en-US"/>
               <a:t>Second level</a:t>
             </a:r>
           </a:p>
           <a:p>
             <a:pPr lvl="2"/>
             <a:r>
-              <a:rPr lang="en-US" smtClean="0"/>
+              <a:rPr lang="en-US"/>
               <a:t>Third level</a:t>
             </a:r>
           </a:p>
           <a:p>
             <a:pPr lvl="3"/>
             <a:r>
-              <a:rPr lang="en-US" smtClean="0"/>
+              <a:rPr lang="en-US"/>
               <a:t>Fourth level</a:t>
             </a:r>
           </a:p>
           <a:p>
             <a:pPr lvl="4"/>
             <a:r>
-              <a:rPr lang="en-US" smtClean="0"/>
+              <a:rPr lang="en-US"/>
               <a:t>Fifth level</a:t>
             </a:r>
-            <a:endParaRPr lang="en-US"/>
           </a:p>
         </p:txBody>
       </p:sp>
@@ -1248,7 +1265,7 @@
           <a:p>
             <a:fld id="{35247FA9-5C39-4C97-B800-41D9DD23C891}" type="datetimeFigureOut">
               <a:rPr lang="en-US" smtClean="0"/>
-              <a:t>7/22/2019</a:t>
+              <a:t>12/3/2019</a:t>
             </a:fld>
             <a:endParaRPr lang="en-US"/>
           </a:p>
@@ -1347,10 +1364,9 @@
           <a:lstStyle/>
           <a:p>
             <a:r>
-              <a:rPr lang="en-US" smtClean="0"/>
+              <a:rPr lang="en-US"/>
               <a:t>Click to edit Master title style</a:t>
             </a:r>
-            <a:endParaRPr lang="en-US"/>
           </a:p>
         </p:txBody>
       </p:sp>
@@ -1413,7 +1429,7 @@
           <a:p>
             <a:pPr lvl="0"/>
             <a:r>
-              <a:rPr lang="en-US" smtClean="0"/>
+              <a:rPr lang="en-US"/>
               <a:t>Click to edit Master text styles</a:t>
             </a:r>
           </a:p>
@@ -1441,38 +1457,37 @@
           <a:p>
             <a:pPr lvl="0"/>
             <a:r>
-              <a:rPr lang="en-US" smtClean="0"/>
+              <a:rPr lang="en-US"/>
               <a:t>Click to edit Master text styles</a:t>
             </a:r>
           </a:p>
           <a:p>
             <a:pPr lvl="1"/>
             <a:r>
-              <a:rPr lang="en-US" smtClean="0"/>
+              <a:rPr lang="en-US"/>
               <a:t>Second level</a:t>
             </a:r>
           </a:p>
           <a:p>
             <a:pPr lvl="2"/>
             <a:r>
-              <a:rPr lang="en-US" smtClean="0"/>
+              <a:rPr lang="en-US"/>
               <a:t>Third level</a:t>
             </a:r>
           </a:p>
           <a:p>
             <a:pPr lvl="3"/>
             <a:r>
-              <a:rPr lang="en-US" smtClean="0"/>
+              <a:rPr lang="en-US"/>
               <a:t>Fourth level</a:t>
             </a:r>
           </a:p>
           <a:p>
             <a:pPr lvl="4"/>
             <a:r>
-              <a:rPr lang="en-US" smtClean="0"/>
+              <a:rPr lang="en-US"/>
               <a:t>Fifth level</a:t>
             </a:r>
-            <a:endParaRPr lang="en-US"/>
           </a:p>
         </p:txBody>
       </p:sp>
@@ -1535,7 +1550,7 @@
           <a:p>
             <a:pPr lvl="0"/>
             <a:r>
-              <a:rPr lang="en-US" smtClean="0"/>
+              <a:rPr lang="en-US"/>
               <a:t>Click to edit Master text styles</a:t>
             </a:r>
           </a:p>
@@ -1563,38 +1578,37 @@
           <a:p>
             <a:pPr lvl="0"/>
             <a:r>
-              <a:rPr lang="en-US" smtClean="0"/>
+              <a:rPr lang="en-US"/>
               <a:t>Click to edit Master text styles</a:t>
             </a:r>
           </a:p>
           <a:p>
             <a:pPr lvl="1"/>
             <a:r>
-              <a:rPr lang="en-US" smtClean="0"/>
+              <a:rPr lang="en-US"/>
               <a:t>Second level</a:t>
             </a:r>
           </a:p>
           <a:p>
             <a:pPr lvl="2"/>
             <a:r>
-              <a:rPr lang="en-US" smtClean="0"/>
+              <a:rPr lang="en-US"/>
               <a:t>Third level</a:t>
             </a:r>
           </a:p>
           <a:p>
             <a:pPr lvl="3"/>
             <a:r>
-              <a:rPr lang="en-US" smtClean="0"/>
+              <a:rPr lang="en-US"/>
               <a:t>Fourth level</a:t>
             </a:r>
           </a:p>
           <a:p>
             <a:pPr lvl="4"/>
             <a:r>
-              <a:rPr lang="en-US" smtClean="0"/>
+              <a:rPr lang="en-US"/>
               <a:t>Fifth level</a:t>
             </a:r>
-            <a:endParaRPr lang="en-US"/>
           </a:p>
         </p:txBody>
       </p:sp>
@@ -1615,7 +1629,7 @@
           <a:p>
             <a:fld id="{35247FA9-5C39-4C97-B800-41D9DD23C891}" type="datetimeFigureOut">
               <a:rPr lang="en-US" smtClean="0"/>
-              <a:t>7/22/2019</a:t>
+              <a:t>12/3/2019</a:t>
             </a:fld>
             <a:endParaRPr lang="en-US"/>
           </a:p>
@@ -1709,10 +1723,9 @@
           <a:lstStyle/>
           <a:p>
             <a:r>
-              <a:rPr lang="en-US" smtClean="0"/>
+              <a:rPr lang="en-US"/>
               <a:t>Click to edit Master title style</a:t>
             </a:r>
-            <a:endParaRPr lang="en-US"/>
           </a:p>
         </p:txBody>
       </p:sp>
@@ -1733,7 +1746,7 @@
           <a:p>
             <a:fld id="{35247FA9-5C39-4C97-B800-41D9DD23C891}" type="datetimeFigureOut">
               <a:rPr lang="en-US" smtClean="0"/>
-              <a:t>7/22/2019</a:t>
+              <a:t>12/3/2019</a:t>
             </a:fld>
             <a:endParaRPr lang="en-US"/>
           </a:p>
@@ -1828,7 +1841,7 @@
           <a:p>
             <a:fld id="{35247FA9-5C39-4C97-B800-41D9DD23C891}" type="datetimeFigureOut">
               <a:rPr lang="en-US" smtClean="0"/>
-              <a:t>7/22/2019</a:t>
+              <a:t>12/3/2019</a:t>
             </a:fld>
             <a:endParaRPr lang="en-US"/>
           </a:p>
@@ -1931,10 +1944,9 @@
           </a:lstStyle>
           <a:p>
             <a:r>
-              <a:rPr lang="en-US" smtClean="0"/>
+              <a:rPr lang="en-US"/>
               <a:t>Click to edit Master title style</a:t>
             </a:r>
-            <a:endParaRPr lang="en-US"/>
           </a:p>
         </p:txBody>
       </p:sp>
@@ -1988,38 +2000,37 @@
           <a:p>
             <a:pPr lvl="0"/>
             <a:r>
-              <a:rPr lang="en-US" smtClean="0"/>
+              <a:rPr lang="en-US"/>
               <a:t>Click to edit Master text styles</a:t>
             </a:r>
           </a:p>
           <a:p>
             <a:pPr lvl="1"/>
             <a:r>
-              <a:rPr lang="en-US" smtClean="0"/>
+              <a:rPr lang="en-US"/>
               <a:t>Second level</a:t>
             </a:r>
           </a:p>
           <a:p>
             <a:pPr lvl="2"/>
             <a:r>
-              <a:rPr lang="en-US" smtClean="0"/>
+              <a:rPr lang="en-US"/>
               <a:t>Third level</a:t>
             </a:r>
           </a:p>
           <a:p>
             <a:pPr lvl="3"/>
             <a:r>
-              <a:rPr lang="en-US" smtClean="0"/>
+              <a:rPr lang="en-US"/>
               <a:t>Fourth level</a:t>
             </a:r>
           </a:p>
           <a:p>
             <a:pPr lvl="4"/>
             <a:r>
-              <a:rPr lang="en-US" smtClean="0"/>
+              <a:rPr lang="en-US"/>
               <a:t>Fifth level</a:t>
             </a:r>
-            <a:endParaRPr lang="en-US"/>
           </a:p>
         </p:txBody>
       </p:sp>
@@ -2082,7 +2093,7 @@
           <a:p>
             <a:pPr lvl="0"/>
             <a:r>
-              <a:rPr lang="en-US" smtClean="0"/>
+              <a:rPr lang="en-US"/>
               <a:t>Click to edit Master text styles</a:t>
             </a:r>
           </a:p>
@@ -2105,7 +2116,7 @@
           <a:p>
             <a:fld id="{35247FA9-5C39-4C97-B800-41D9DD23C891}" type="datetimeFigureOut">
               <a:rPr lang="en-US" smtClean="0"/>
-              <a:t>7/22/2019</a:t>
+              <a:t>12/3/2019</a:t>
             </a:fld>
             <a:endParaRPr lang="en-US"/>
           </a:p>
@@ -2208,10 +2219,9 @@
           </a:lstStyle>
           <a:p>
             <a:r>
-              <a:rPr lang="en-US" smtClean="0"/>
+              <a:rPr lang="en-US"/>
               <a:t>Click to edit Master title style</a:t>
             </a:r>
-            <a:endParaRPr lang="en-US"/>
           </a:p>
         </p:txBody>
       </p:sp>
@@ -2335,7 +2345,7 @@
           <a:p>
             <a:pPr lvl="0"/>
             <a:r>
-              <a:rPr lang="en-US" smtClean="0"/>
+              <a:rPr lang="en-US"/>
               <a:t>Click to edit Master text styles</a:t>
             </a:r>
           </a:p>
@@ -2358,7 +2368,7 @@
           <a:p>
             <a:fld id="{35247FA9-5C39-4C97-B800-41D9DD23C891}" type="datetimeFigureOut">
               <a:rPr lang="en-US" smtClean="0"/>
-              <a:t>7/22/2019</a:t>
+              <a:t>12/3/2019</a:t>
             </a:fld>
             <a:endParaRPr lang="en-US"/>
           </a:p>
@@ -2467,10 +2477,9 @@
           <a:lstStyle/>
           <a:p>
             <a:r>
-              <a:rPr lang="en-US" smtClean="0"/>
+              <a:rPr lang="en-US"/>
               <a:t>Click to edit Master title style</a:t>
             </a:r>
-            <a:endParaRPr lang="en-US"/>
           </a:p>
         </p:txBody>
       </p:sp>
@@ -2501,38 +2510,37 @@
           <a:p>
             <a:pPr lvl="0"/>
             <a:r>
-              <a:rPr lang="en-US" smtClean="0"/>
+              <a:rPr lang="en-US"/>
               <a:t>Click to edit Master text styles</a:t>
             </a:r>
           </a:p>
           <a:p>
             <a:pPr lvl="1"/>
             <a:r>
-              <a:rPr lang="en-US" smtClean="0"/>
+              <a:rPr lang="en-US"/>
               <a:t>Second level</a:t>
             </a:r>
           </a:p>
           <a:p>
             <a:pPr lvl="2"/>
             <a:r>
-              <a:rPr lang="en-US" smtClean="0"/>
+              <a:rPr lang="en-US"/>
               <a:t>Third level</a:t>
             </a:r>
           </a:p>
           <a:p>
             <a:pPr lvl="3"/>
             <a:r>
-              <a:rPr lang="en-US" smtClean="0"/>
+              <a:rPr lang="en-US"/>
               <a:t>Fourth level</a:t>
             </a:r>
           </a:p>
           <a:p>
             <a:pPr lvl="4"/>
             <a:r>
-              <a:rPr lang="en-US" smtClean="0"/>
+              <a:rPr lang="en-US"/>
               <a:t>Fifth level</a:t>
             </a:r>
-            <a:endParaRPr lang="en-US"/>
           </a:p>
         </p:txBody>
       </p:sp>
@@ -2571,7 +2579,7 @@
           <a:p>
             <a:fld id="{35247FA9-5C39-4C97-B800-41D9DD23C891}" type="datetimeFigureOut">
               <a:rPr lang="en-US" smtClean="0"/>
-              <a:t>7/22/2019</a:t>
+              <a:t>12/3/2019</a:t>
             </a:fld>
             <a:endParaRPr lang="en-US"/>
           </a:p>
@@ -3007,18 +3015,13 @@
           <a:lstStyle/>
           <a:p>
             <a:r>
-              <a:rPr lang="en-US" sz="8800" dirty="0" smtClean="0">
+              <a:rPr lang="en-US" sz="8800" dirty="0">
                 <a:solidFill>
                   <a:schemeClr val="bg1"/>
                 </a:solidFill>
               </a:rPr>
               <a:t>+</a:t>
             </a:r>
-            <a:endParaRPr lang="en-US" sz="8800" dirty="0">
-              <a:solidFill>
-                <a:schemeClr val="bg1"/>
-              </a:solidFill>
-            </a:endParaRPr>
           </a:p>
         </p:txBody>
       </p:sp>
@@ -3150,18 +3153,13 @@
           <a:lstStyle/>
           <a:p>
             <a:r>
-              <a:rPr lang="en-US" sz="8800" dirty="0" smtClean="0">
+              <a:rPr lang="en-US" sz="8800" dirty="0">
                 <a:solidFill>
                   <a:schemeClr val="bg1"/>
                 </a:solidFill>
               </a:rPr>
               <a:t>+</a:t>
             </a:r>
-            <a:endParaRPr lang="en-US" sz="8800" dirty="0">
-              <a:solidFill>
-                <a:schemeClr val="bg1"/>
-              </a:solidFill>
-            </a:endParaRPr>
           </a:p>
         </p:txBody>
       </p:sp>
@@ -3290,18 +3288,13 @@
           <a:lstStyle/>
           <a:p>
             <a:r>
-              <a:rPr lang="en-US" sz="4800" dirty="0" smtClean="0">
+              <a:rPr lang="en-US" sz="4800" dirty="0">
                 <a:solidFill>
                   <a:schemeClr val="bg1"/>
                 </a:solidFill>
               </a:rPr>
               <a:t>Would you like to hear advice from your financial advisor?</a:t>
             </a:r>
-            <a:endParaRPr lang="en-US" sz="4800" dirty="0">
-              <a:solidFill>
-                <a:schemeClr val="bg1"/>
-              </a:solidFill>
-            </a:endParaRPr>
           </a:p>
         </p:txBody>
       </p:sp>
@@ -3328,18 +3321,13 @@
           <a:lstStyle/>
           <a:p>
             <a:r>
-              <a:rPr lang="en-US" sz="5400" dirty="0" smtClean="0">
+              <a:rPr lang="en-US" sz="5400" dirty="0">
                 <a:solidFill>
                   <a:schemeClr val="bg1"/>
                 </a:solidFill>
               </a:rPr>
-              <a:t>Y                               N</a:t>
-            </a:r>
-            <a:endParaRPr lang="en-US" sz="5400" dirty="0">
-              <a:solidFill>
-                <a:schemeClr val="bg1"/>
-              </a:solidFill>
-            </a:endParaRPr>
+              <a:t>1=Y                     2=N</a:t>
+            </a:r>
           </a:p>
         </p:txBody>
       </p:sp>
@@ -3534,18 +3522,13 @@
           <a:lstStyle/>
           <a:p>
             <a:r>
-              <a:rPr lang="en-US" sz="8800" dirty="0" smtClean="0">
+              <a:rPr lang="en-US" sz="8800" dirty="0">
                 <a:solidFill>
                   <a:schemeClr val="bg1"/>
                 </a:solidFill>
               </a:rPr>
               <a:t>+</a:t>
             </a:r>
-            <a:endParaRPr lang="en-US" sz="8800" dirty="0">
-              <a:solidFill>
-                <a:schemeClr val="bg1"/>
-              </a:solidFill>
-            </a:endParaRPr>
           </a:p>
         </p:txBody>
       </p:sp>
